--- a/Presentation/Week5/Build Web Games-5.pptx
+++ b/Presentation/Week5/Build Web Games-5.pptx
@@ -17,8 +17,8 @@
     <p:sldId id="274" r:id="rId11"/>
     <p:sldId id="275" r:id="rId12"/>
     <p:sldId id="276" r:id="rId13"/>
-    <p:sldId id="277" r:id="rId14"/>
-    <p:sldId id="279" r:id="rId15"/>
+    <p:sldId id="279" r:id="rId14"/>
+    <p:sldId id="277" r:id="rId15"/>
     <p:sldId id="278" r:id="rId16"/>
   </p:sldIdLst>
   <p:sldSz cx="12192000" cy="6858000"/>
@@ -7409,7 +7409,27 @@
                 <a:effectLst/>
                 <a:latin typeface="Consolas" panose="020B0609020204030204" pitchFamily="49" charset="0"/>
               </a:rPr>
-              <a:t> (text0 === text1 &amp;&amp; text1 === text2) {</a:t>
+              <a:t> (text0 !== </a:t>
+            </a:r>
+            <a:r>
+              <a:rPr lang="en-US" sz="1400" b="0" dirty="0">
+                <a:solidFill>
+                  <a:srgbClr val="A31515"/>
+                </a:solidFill>
+                <a:effectLst/>
+                <a:latin typeface="Consolas" panose="020B0609020204030204" pitchFamily="49" charset="0"/>
+              </a:rPr>
+              <a:t>""</a:t>
+            </a:r>
+            <a:r>
+              <a:rPr lang="en-US" sz="1400" b="0" dirty="0">
+                <a:solidFill>
+                  <a:srgbClr val="000000"/>
+                </a:solidFill>
+                <a:effectLst/>
+                <a:latin typeface="Consolas" panose="020B0609020204030204" pitchFamily="49" charset="0"/>
+              </a:rPr>
+              <a:t> &amp;&amp; text0 === text1 &amp;&amp; text1 === text2) {</a:t>
             </a:r>
           </a:p>
           <a:p>
@@ -7692,887 +7712,6 @@
 </file>
 
 <file path=ppt/slides/slide13.xml><?xml version="1.0" encoding="utf-8"?>
-<p:sld xmlns:a="http://schemas.openxmlformats.org/drawingml/2006/main" xmlns:r="http://schemas.openxmlformats.org/officeDocument/2006/relationships" xmlns:p="http://schemas.openxmlformats.org/presentationml/2006/main">
-  <p:cSld>
-    <p:spTree>
-      <p:nvGrpSpPr>
-        <p:cNvPr id="1" name=""/>
-        <p:cNvGrpSpPr/>
-        <p:nvPr/>
-      </p:nvGrpSpPr>
-      <p:grpSpPr>
-        <a:xfrm>
-          <a:off x="0" y="0"/>
-          <a:ext cx="0" cy="0"/>
-          <a:chOff x="0" y="0"/>
-          <a:chExt cx="0" cy="0"/>
-        </a:xfrm>
-      </p:grpSpPr>
-      <p:sp>
-        <p:nvSpPr>
-          <p:cNvPr id="2" name="Title 1">
-            <a:extLst>
-              <a:ext uri="{FF2B5EF4-FFF2-40B4-BE49-F238E27FC236}">
-                <a16:creationId xmlns:a16="http://schemas.microsoft.com/office/drawing/2014/main" id="{90601A8F-678D-F78E-E589-0408E2469849}"/>
-              </a:ext>
-            </a:extLst>
-          </p:cNvPr>
-          <p:cNvSpPr>
-            <a:spLocks noGrp="1"/>
-          </p:cNvSpPr>
-          <p:nvPr>
-            <p:ph type="title"/>
-          </p:nvPr>
-        </p:nvSpPr>
-        <p:spPr/>
-        <p:txBody>
-          <a:bodyPr/>
-          <a:lstStyle/>
-          <a:p>
-            <a:r>
-              <a:rPr lang="en-US" b="0" i="0" dirty="0">
-                <a:solidFill>
-                  <a:srgbClr val="000000"/>
-                </a:solidFill>
-                <a:effectLst/>
-                <a:latin typeface="Segoe UI" panose="020B0502040204020203" pitchFamily="34" charset="0"/>
-              </a:rPr>
-              <a:t>JavaScript Comparison Operators</a:t>
-            </a:r>
-            <a:r>
-              <a:rPr lang="en-US" dirty="0"/>
-              <a:t> </a:t>
-            </a:r>
-          </a:p>
-        </p:txBody>
-      </p:sp>
-      <p:sp>
-        <p:nvSpPr>
-          <p:cNvPr id="4" name="TextBox 3">
-            <a:extLst>
-              <a:ext uri="{FF2B5EF4-FFF2-40B4-BE49-F238E27FC236}">
-                <a16:creationId xmlns:a16="http://schemas.microsoft.com/office/drawing/2014/main" id="{A252AD0E-2EA2-730A-4462-2B5A8B8BC9FC}"/>
-              </a:ext>
-            </a:extLst>
-          </p:cNvPr>
-          <p:cNvSpPr txBox="1"/>
-          <p:nvPr/>
-        </p:nvSpPr>
-        <p:spPr>
-          <a:xfrm>
-            <a:off x="1729954" y="2274838"/>
-            <a:ext cx="7277688" cy="2308324"/>
-          </a:xfrm>
-          <a:custGeom>
-            <a:avLst/>
-            <a:gdLst>
-              <a:gd name="connsiteX0" fmla="*/ 0 w 7277688"/>
-              <a:gd name="connsiteY0" fmla="*/ 0 h 2308324"/>
-              <a:gd name="connsiteX1" fmla="*/ 559822 w 7277688"/>
-              <a:gd name="connsiteY1" fmla="*/ 0 h 2308324"/>
-              <a:gd name="connsiteX2" fmla="*/ 1119644 w 7277688"/>
-              <a:gd name="connsiteY2" fmla="*/ 0 h 2308324"/>
-              <a:gd name="connsiteX3" fmla="*/ 1533913 w 7277688"/>
-              <a:gd name="connsiteY3" fmla="*/ 0 h 2308324"/>
-              <a:gd name="connsiteX4" fmla="*/ 2020958 w 7277688"/>
-              <a:gd name="connsiteY4" fmla="*/ 0 h 2308324"/>
-              <a:gd name="connsiteX5" fmla="*/ 2508003 w 7277688"/>
-              <a:gd name="connsiteY5" fmla="*/ 0 h 2308324"/>
-              <a:gd name="connsiteX6" fmla="*/ 2849495 w 7277688"/>
-              <a:gd name="connsiteY6" fmla="*/ 0 h 2308324"/>
-              <a:gd name="connsiteX7" fmla="*/ 3336540 w 7277688"/>
-              <a:gd name="connsiteY7" fmla="*/ 0 h 2308324"/>
-              <a:gd name="connsiteX8" fmla="*/ 3969139 w 7277688"/>
-              <a:gd name="connsiteY8" fmla="*/ 0 h 2308324"/>
-              <a:gd name="connsiteX9" fmla="*/ 4383407 w 7277688"/>
-              <a:gd name="connsiteY9" fmla="*/ 0 h 2308324"/>
-              <a:gd name="connsiteX10" fmla="*/ 4797676 w 7277688"/>
-              <a:gd name="connsiteY10" fmla="*/ 0 h 2308324"/>
-              <a:gd name="connsiteX11" fmla="*/ 5284721 w 7277688"/>
-              <a:gd name="connsiteY11" fmla="*/ 0 h 2308324"/>
-              <a:gd name="connsiteX12" fmla="*/ 5844543 w 7277688"/>
-              <a:gd name="connsiteY12" fmla="*/ 0 h 2308324"/>
-              <a:gd name="connsiteX13" fmla="*/ 6404365 w 7277688"/>
-              <a:gd name="connsiteY13" fmla="*/ 0 h 2308324"/>
-              <a:gd name="connsiteX14" fmla="*/ 7277688 w 7277688"/>
-              <a:gd name="connsiteY14" fmla="*/ 0 h 2308324"/>
-              <a:gd name="connsiteX15" fmla="*/ 7277688 w 7277688"/>
-              <a:gd name="connsiteY15" fmla="*/ 623247 h 2308324"/>
-              <a:gd name="connsiteX16" fmla="*/ 7277688 w 7277688"/>
-              <a:gd name="connsiteY16" fmla="*/ 1177245 h 2308324"/>
-              <a:gd name="connsiteX17" fmla="*/ 7277688 w 7277688"/>
-              <a:gd name="connsiteY17" fmla="*/ 1731243 h 2308324"/>
-              <a:gd name="connsiteX18" fmla="*/ 7277688 w 7277688"/>
-              <a:gd name="connsiteY18" fmla="*/ 2308324 h 2308324"/>
-              <a:gd name="connsiteX19" fmla="*/ 6790643 w 7277688"/>
-              <a:gd name="connsiteY19" fmla="*/ 2308324 h 2308324"/>
-              <a:gd name="connsiteX20" fmla="*/ 6449151 w 7277688"/>
-              <a:gd name="connsiteY20" fmla="*/ 2308324 h 2308324"/>
-              <a:gd name="connsiteX21" fmla="*/ 6034883 w 7277688"/>
-              <a:gd name="connsiteY21" fmla="*/ 2308324 h 2308324"/>
-              <a:gd name="connsiteX22" fmla="*/ 5693391 w 7277688"/>
-              <a:gd name="connsiteY22" fmla="*/ 2308324 h 2308324"/>
-              <a:gd name="connsiteX23" fmla="*/ 5279123 w 7277688"/>
-              <a:gd name="connsiteY23" fmla="*/ 2308324 h 2308324"/>
-              <a:gd name="connsiteX24" fmla="*/ 4864855 w 7277688"/>
-              <a:gd name="connsiteY24" fmla="*/ 2308324 h 2308324"/>
-              <a:gd name="connsiteX25" fmla="*/ 4305032 w 7277688"/>
-              <a:gd name="connsiteY25" fmla="*/ 2308324 h 2308324"/>
-              <a:gd name="connsiteX26" fmla="*/ 3817987 w 7277688"/>
-              <a:gd name="connsiteY26" fmla="*/ 2308324 h 2308324"/>
-              <a:gd name="connsiteX27" fmla="*/ 3185388 w 7277688"/>
-              <a:gd name="connsiteY27" fmla="*/ 2308324 h 2308324"/>
-              <a:gd name="connsiteX28" fmla="*/ 2625566 w 7277688"/>
-              <a:gd name="connsiteY28" fmla="*/ 2308324 h 2308324"/>
-              <a:gd name="connsiteX29" fmla="*/ 1992967 w 7277688"/>
-              <a:gd name="connsiteY29" fmla="*/ 2308324 h 2308324"/>
-              <a:gd name="connsiteX30" fmla="*/ 1578698 w 7277688"/>
-              <a:gd name="connsiteY30" fmla="*/ 2308324 h 2308324"/>
-              <a:gd name="connsiteX31" fmla="*/ 1164430 w 7277688"/>
-              <a:gd name="connsiteY31" fmla="*/ 2308324 h 2308324"/>
-              <a:gd name="connsiteX32" fmla="*/ 677385 w 7277688"/>
-              <a:gd name="connsiteY32" fmla="*/ 2308324 h 2308324"/>
-              <a:gd name="connsiteX33" fmla="*/ 0 w 7277688"/>
-              <a:gd name="connsiteY33" fmla="*/ 2308324 h 2308324"/>
-              <a:gd name="connsiteX34" fmla="*/ 0 w 7277688"/>
-              <a:gd name="connsiteY34" fmla="*/ 1731243 h 2308324"/>
-              <a:gd name="connsiteX35" fmla="*/ 0 w 7277688"/>
-              <a:gd name="connsiteY35" fmla="*/ 1107996 h 2308324"/>
-              <a:gd name="connsiteX36" fmla="*/ 0 w 7277688"/>
-              <a:gd name="connsiteY36" fmla="*/ 507831 h 2308324"/>
-              <a:gd name="connsiteX37" fmla="*/ 0 w 7277688"/>
-              <a:gd name="connsiteY37" fmla="*/ 0 h 2308324"/>
-            </a:gdLst>
-            <a:ahLst/>
-            <a:cxnLst>
-              <a:cxn ang="0">
-                <a:pos x="connsiteX0" y="connsiteY0"/>
-              </a:cxn>
-              <a:cxn ang="0">
-                <a:pos x="connsiteX1" y="connsiteY1"/>
-              </a:cxn>
-              <a:cxn ang="0">
-                <a:pos x="connsiteX2" y="connsiteY2"/>
-              </a:cxn>
-              <a:cxn ang="0">
-                <a:pos x="connsiteX3" y="connsiteY3"/>
-              </a:cxn>
-              <a:cxn ang="0">
-                <a:pos x="connsiteX4" y="connsiteY4"/>
-              </a:cxn>
-              <a:cxn ang="0">
-                <a:pos x="connsiteX5" y="connsiteY5"/>
-              </a:cxn>
-              <a:cxn ang="0">
-                <a:pos x="connsiteX6" y="connsiteY6"/>
-              </a:cxn>
-              <a:cxn ang="0">
-                <a:pos x="connsiteX7" y="connsiteY7"/>
-              </a:cxn>
-              <a:cxn ang="0">
-                <a:pos x="connsiteX8" y="connsiteY8"/>
-              </a:cxn>
-              <a:cxn ang="0">
-                <a:pos x="connsiteX9" y="connsiteY9"/>
-              </a:cxn>
-              <a:cxn ang="0">
-                <a:pos x="connsiteX10" y="connsiteY10"/>
-              </a:cxn>
-              <a:cxn ang="0">
-                <a:pos x="connsiteX11" y="connsiteY11"/>
-              </a:cxn>
-              <a:cxn ang="0">
-                <a:pos x="connsiteX12" y="connsiteY12"/>
-              </a:cxn>
-              <a:cxn ang="0">
-                <a:pos x="connsiteX13" y="connsiteY13"/>
-              </a:cxn>
-              <a:cxn ang="0">
-                <a:pos x="connsiteX14" y="connsiteY14"/>
-              </a:cxn>
-              <a:cxn ang="0">
-                <a:pos x="connsiteX15" y="connsiteY15"/>
-              </a:cxn>
-              <a:cxn ang="0">
-                <a:pos x="connsiteX16" y="connsiteY16"/>
-              </a:cxn>
-              <a:cxn ang="0">
-                <a:pos x="connsiteX17" y="connsiteY17"/>
-              </a:cxn>
-              <a:cxn ang="0">
-                <a:pos x="connsiteX18" y="connsiteY18"/>
-              </a:cxn>
-              <a:cxn ang="0">
-                <a:pos x="connsiteX19" y="connsiteY19"/>
-              </a:cxn>
-              <a:cxn ang="0">
-                <a:pos x="connsiteX20" y="connsiteY20"/>
-              </a:cxn>
-              <a:cxn ang="0">
-                <a:pos x="connsiteX21" y="connsiteY21"/>
-              </a:cxn>
-              <a:cxn ang="0">
-                <a:pos x="connsiteX22" y="connsiteY22"/>
-              </a:cxn>
-              <a:cxn ang="0">
-                <a:pos x="connsiteX23" y="connsiteY23"/>
-              </a:cxn>
-              <a:cxn ang="0">
-                <a:pos x="connsiteX24" y="connsiteY24"/>
-              </a:cxn>
-              <a:cxn ang="0">
-                <a:pos x="connsiteX25" y="connsiteY25"/>
-              </a:cxn>
-              <a:cxn ang="0">
-                <a:pos x="connsiteX26" y="connsiteY26"/>
-              </a:cxn>
-              <a:cxn ang="0">
-                <a:pos x="connsiteX27" y="connsiteY27"/>
-              </a:cxn>
-              <a:cxn ang="0">
-                <a:pos x="connsiteX28" y="connsiteY28"/>
-              </a:cxn>
-              <a:cxn ang="0">
-                <a:pos x="connsiteX29" y="connsiteY29"/>
-              </a:cxn>
-              <a:cxn ang="0">
-                <a:pos x="connsiteX30" y="connsiteY30"/>
-              </a:cxn>
-              <a:cxn ang="0">
-                <a:pos x="connsiteX31" y="connsiteY31"/>
-              </a:cxn>
-              <a:cxn ang="0">
-                <a:pos x="connsiteX32" y="connsiteY32"/>
-              </a:cxn>
-              <a:cxn ang="0">
-                <a:pos x="connsiteX33" y="connsiteY33"/>
-              </a:cxn>
-              <a:cxn ang="0">
-                <a:pos x="connsiteX34" y="connsiteY34"/>
-              </a:cxn>
-              <a:cxn ang="0">
-                <a:pos x="connsiteX35" y="connsiteY35"/>
-              </a:cxn>
-              <a:cxn ang="0">
-                <a:pos x="connsiteX36" y="connsiteY36"/>
-              </a:cxn>
-              <a:cxn ang="0">
-                <a:pos x="connsiteX37" y="connsiteY37"/>
-              </a:cxn>
-            </a:cxnLst>
-            <a:rect l="l" t="t" r="r" b="b"/>
-            <a:pathLst>
-              <a:path w="7277688" h="2308324" extrusionOk="0">
-                <a:moveTo>
-                  <a:pt x="0" y="0"/>
-                </a:moveTo>
-                <a:cubicBezTo>
-                  <a:pt x="189556" y="-21443"/>
-                  <a:pt x="430601" y="66539"/>
-                  <a:pt x="559822" y="0"/>
-                </a:cubicBezTo>
-                <a:cubicBezTo>
-                  <a:pt x="689043" y="-66539"/>
-                  <a:pt x="999645" y="52967"/>
-                  <a:pt x="1119644" y="0"/>
-                </a:cubicBezTo>
-                <a:cubicBezTo>
-                  <a:pt x="1239643" y="-52967"/>
-                  <a:pt x="1331893" y="8150"/>
-                  <a:pt x="1533913" y="0"/>
-                </a:cubicBezTo>
-                <a:cubicBezTo>
-                  <a:pt x="1735933" y="-8150"/>
-                  <a:pt x="1896449" y="5422"/>
-                  <a:pt x="2020958" y="0"/>
-                </a:cubicBezTo>
-                <a:cubicBezTo>
-                  <a:pt x="2145468" y="-5422"/>
-                  <a:pt x="2272455" y="27303"/>
-                  <a:pt x="2508003" y="0"/>
-                </a:cubicBezTo>
-                <a:cubicBezTo>
-                  <a:pt x="2743552" y="-27303"/>
-                  <a:pt x="2679311" y="27924"/>
-                  <a:pt x="2849495" y="0"/>
-                </a:cubicBezTo>
-                <a:cubicBezTo>
-                  <a:pt x="3019679" y="-27924"/>
-                  <a:pt x="3218720" y="41077"/>
-                  <a:pt x="3336540" y="0"/>
-                </a:cubicBezTo>
-                <a:cubicBezTo>
-                  <a:pt x="3454360" y="-41077"/>
-                  <a:pt x="3692814" y="49557"/>
-                  <a:pt x="3969139" y="0"/>
-                </a:cubicBezTo>
-                <a:cubicBezTo>
-                  <a:pt x="4245464" y="-49557"/>
-                  <a:pt x="4251861" y="13053"/>
-                  <a:pt x="4383407" y="0"/>
-                </a:cubicBezTo>
-                <a:cubicBezTo>
-                  <a:pt x="4514953" y="-13053"/>
-                  <a:pt x="4605569" y="18450"/>
-                  <a:pt x="4797676" y="0"/>
-                </a:cubicBezTo>
-                <a:cubicBezTo>
-                  <a:pt x="4989783" y="-18450"/>
-                  <a:pt x="5100595" y="3593"/>
-                  <a:pt x="5284721" y="0"/>
-                </a:cubicBezTo>
-                <a:cubicBezTo>
-                  <a:pt x="5468848" y="-3593"/>
-                  <a:pt x="5653526" y="55654"/>
-                  <a:pt x="5844543" y="0"/>
-                </a:cubicBezTo>
-                <a:cubicBezTo>
-                  <a:pt x="6035560" y="-55654"/>
-                  <a:pt x="6280589" y="1307"/>
-                  <a:pt x="6404365" y="0"/>
-                </a:cubicBezTo>
-                <a:cubicBezTo>
-                  <a:pt x="6528141" y="-1307"/>
-                  <a:pt x="6985056" y="20163"/>
-                  <a:pt x="7277688" y="0"/>
-                </a:cubicBezTo>
-                <a:cubicBezTo>
-                  <a:pt x="7323978" y="274003"/>
-                  <a:pt x="7215082" y="363917"/>
-                  <a:pt x="7277688" y="623247"/>
-                </a:cubicBezTo>
-                <a:cubicBezTo>
-                  <a:pt x="7340294" y="882577"/>
-                  <a:pt x="7222629" y="962337"/>
-                  <a:pt x="7277688" y="1177245"/>
-                </a:cubicBezTo>
-                <a:cubicBezTo>
-                  <a:pt x="7332747" y="1392153"/>
-                  <a:pt x="7221554" y="1476552"/>
-                  <a:pt x="7277688" y="1731243"/>
-                </a:cubicBezTo>
-                <a:cubicBezTo>
-                  <a:pt x="7333822" y="1985934"/>
-                  <a:pt x="7271609" y="2168371"/>
-                  <a:pt x="7277688" y="2308324"/>
-                </a:cubicBezTo>
-                <a:cubicBezTo>
-                  <a:pt x="7067986" y="2364157"/>
-                  <a:pt x="7000236" y="2303028"/>
-                  <a:pt x="6790643" y="2308324"/>
-                </a:cubicBezTo>
-                <a:cubicBezTo>
-                  <a:pt x="6581050" y="2313620"/>
-                  <a:pt x="6587212" y="2267723"/>
-                  <a:pt x="6449151" y="2308324"/>
-                </a:cubicBezTo>
-                <a:cubicBezTo>
-                  <a:pt x="6311090" y="2348925"/>
-                  <a:pt x="6229041" y="2275595"/>
-                  <a:pt x="6034883" y="2308324"/>
-                </a:cubicBezTo>
-                <a:cubicBezTo>
-                  <a:pt x="5840725" y="2341053"/>
-                  <a:pt x="5775949" y="2304133"/>
-                  <a:pt x="5693391" y="2308324"/>
-                </a:cubicBezTo>
-                <a:cubicBezTo>
-                  <a:pt x="5610833" y="2312515"/>
-                  <a:pt x="5483303" y="2298912"/>
-                  <a:pt x="5279123" y="2308324"/>
-                </a:cubicBezTo>
-                <a:cubicBezTo>
-                  <a:pt x="5074943" y="2317736"/>
-                  <a:pt x="4955967" y="2281596"/>
-                  <a:pt x="4864855" y="2308324"/>
-                </a:cubicBezTo>
-                <a:cubicBezTo>
-                  <a:pt x="4773743" y="2335052"/>
-                  <a:pt x="4566529" y="2286380"/>
-                  <a:pt x="4305032" y="2308324"/>
-                </a:cubicBezTo>
-                <a:cubicBezTo>
-                  <a:pt x="4043535" y="2330268"/>
-                  <a:pt x="4015174" y="2301450"/>
-                  <a:pt x="3817987" y="2308324"/>
-                </a:cubicBezTo>
-                <a:cubicBezTo>
-                  <a:pt x="3620800" y="2315198"/>
-                  <a:pt x="3391880" y="2297046"/>
-                  <a:pt x="3185388" y="2308324"/>
-                </a:cubicBezTo>
-                <a:cubicBezTo>
-                  <a:pt x="2978896" y="2319602"/>
-                  <a:pt x="2758071" y="2295622"/>
-                  <a:pt x="2625566" y="2308324"/>
-                </a:cubicBezTo>
-                <a:cubicBezTo>
-                  <a:pt x="2493061" y="2321026"/>
-                  <a:pt x="2303045" y="2254747"/>
-                  <a:pt x="1992967" y="2308324"/>
-                </a:cubicBezTo>
-                <a:cubicBezTo>
-                  <a:pt x="1682889" y="2361901"/>
-                  <a:pt x="1700366" y="2269511"/>
-                  <a:pt x="1578698" y="2308324"/>
-                </a:cubicBezTo>
-                <a:cubicBezTo>
-                  <a:pt x="1457030" y="2347137"/>
-                  <a:pt x="1300480" y="2276935"/>
-                  <a:pt x="1164430" y="2308324"/>
-                </a:cubicBezTo>
-                <a:cubicBezTo>
-                  <a:pt x="1028380" y="2339713"/>
-                  <a:pt x="841848" y="2285970"/>
-                  <a:pt x="677385" y="2308324"/>
-                </a:cubicBezTo>
-                <a:cubicBezTo>
-                  <a:pt x="512923" y="2330678"/>
-                  <a:pt x="247510" y="2233566"/>
-                  <a:pt x="0" y="2308324"/>
-                </a:cubicBezTo>
-                <a:cubicBezTo>
-                  <a:pt x="-56052" y="2105157"/>
-                  <a:pt x="68258" y="1954263"/>
-                  <a:pt x="0" y="1731243"/>
-                </a:cubicBezTo>
-                <a:cubicBezTo>
-                  <a:pt x="-68258" y="1508223"/>
-                  <a:pt x="34094" y="1292170"/>
-                  <a:pt x="0" y="1107996"/>
-                </a:cubicBezTo>
-                <a:cubicBezTo>
-                  <a:pt x="-34094" y="923822"/>
-                  <a:pt x="13123" y="804950"/>
-                  <a:pt x="0" y="507831"/>
-                </a:cubicBezTo>
-                <a:cubicBezTo>
-                  <a:pt x="-13123" y="210713"/>
-                  <a:pt x="19267" y="144820"/>
-                  <a:pt x="0" y="0"/>
-                </a:cubicBezTo>
-                <a:close/>
-              </a:path>
-            </a:pathLst>
-          </a:custGeom>
-          <a:noFill/>
-          <a:ln>
-            <a:solidFill>
-              <a:schemeClr val="tx1"/>
-            </a:solidFill>
-            <a:extLst>
-              <a:ext uri="{C807C97D-BFC1-408E-A445-0C87EB9F89A2}">
-                <ask:lineSketchStyleProps xmlns:ask="http://schemas.microsoft.com/office/drawing/2018/sketchyshapes" sd="1669558738">
-                  <a:prstGeom prst="rect">
-                    <a:avLst/>
-                  </a:prstGeom>
-                  <ask:type>
-                    <ask:lineSketchScribble/>
-                  </ask:type>
-                </ask:lineSketchStyleProps>
-              </a:ext>
-            </a:extLst>
-          </a:ln>
-        </p:spPr>
-        <p:txBody>
-          <a:bodyPr wrap="square">
-            <a:spAutoFit/>
-          </a:bodyPr>
-          <a:lstStyle/>
-          <a:p>
-            <a:r>
-              <a:rPr lang="en-US" sz="1600" b="0" dirty="0">
-                <a:solidFill>
-                  <a:srgbClr val="0000FF"/>
-                </a:solidFill>
-                <a:effectLst/>
-                <a:latin typeface="Consolas" panose="020B0609020204030204" pitchFamily="49" charset="0"/>
-              </a:rPr>
-              <a:t>function</a:t>
-            </a:r>
-            <a:r>
-              <a:rPr lang="en-US" sz="1600" b="0" dirty="0">
-                <a:solidFill>
-                  <a:srgbClr val="000000"/>
-                </a:solidFill>
-                <a:effectLst/>
-                <a:latin typeface="Consolas" panose="020B0609020204030204" pitchFamily="49" charset="0"/>
-              </a:rPr>
-              <a:t> Check3Blocks(id0, id1, id2) {</a:t>
-            </a:r>
-          </a:p>
-          <a:p>
-            <a:r>
-              <a:rPr lang="en-US" sz="1600" b="0" dirty="0">
-                <a:solidFill>
-                  <a:srgbClr val="000000"/>
-                </a:solidFill>
-                <a:effectLst/>
-                <a:latin typeface="Consolas" panose="020B0609020204030204" pitchFamily="49" charset="0"/>
-              </a:rPr>
-              <a:t>    </a:t>
-            </a:r>
-            <a:r>
-              <a:rPr lang="en-US" sz="1600" b="0" dirty="0">
-                <a:solidFill>
-                  <a:srgbClr val="0000FF"/>
-                </a:solidFill>
-                <a:effectLst/>
-                <a:latin typeface="Consolas" panose="020B0609020204030204" pitchFamily="49" charset="0"/>
-              </a:rPr>
-              <a:t>const</a:t>
-            </a:r>
-            <a:r>
-              <a:rPr lang="en-US" sz="1600" b="0" dirty="0">
-                <a:solidFill>
-                  <a:srgbClr val="000000"/>
-                </a:solidFill>
-                <a:effectLst/>
-                <a:latin typeface="Consolas" panose="020B0609020204030204" pitchFamily="49" charset="0"/>
-              </a:rPr>
-              <a:t> text0 = </a:t>
-            </a:r>
-            <a:r>
-              <a:rPr lang="en-US" sz="1600" b="0" dirty="0" err="1">
-                <a:solidFill>
-                  <a:srgbClr val="000000"/>
-                </a:solidFill>
-                <a:effectLst/>
-                <a:latin typeface="Consolas" panose="020B0609020204030204" pitchFamily="49" charset="0"/>
-              </a:rPr>
-              <a:t>document.getElementById</a:t>
-            </a:r>
-            <a:r>
-              <a:rPr lang="en-US" sz="1600" b="0" dirty="0">
-                <a:solidFill>
-                  <a:srgbClr val="000000"/>
-                </a:solidFill>
-                <a:effectLst/>
-                <a:latin typeface="Consolas" panose="020B0609020204030204" pitchFamily="49" charset="0"/>
-              </a:rPr>
-              <a:t>(id0).</a:t>
-            </a:r>
-            <a:r>
-              <a:rPr lang="en-US" sz="1600" b="0" dirty="0" err="1">
-                <a:solidFill>
-                  <a:srgbClr val="000000"/>
-                </a:solidFill>
-                <a:effectLst/>
-                <a:latin typeface="Consolas" panose="020B0609020204030204" pitchFamily="49" charset="0"/>
-              </a:rPr>
-              <a:t>innerText</a:t>
-            </a:r>
-            <a:r>
-              <a:rPr lang="en-US" sz="1600" b="0" dirty="0">
-                <a:solidFill>
-                  <a:srgbClr val="000000"/>
-                </a:solidFill>
-                <a:effectLst/>
-                <a:latin typeface="Consolas" panose="020B0609020204030204" pitchFamily="49" charset="0"/>
-              </a:rPr>
-              <a:t>;</a:t>
-            </a:r>
-          </a:p>
-          <a:p>
-            <a:r>
-              <a:rPr lang="en-US" sz="1600" b="0" dirty="0">
-                <a:solidFill>
-                  <a:srgbClr val="000000"/>
-                </a:solidFill>
-                <a:effectLst/>
-                <a:latin typeface="Consolas" panose="020B0609020204030204" pitchFamily="49" charset="0"/>
-              </a:rPr>
-              <a:t>    </a:t>
-            </a:r>
-            <a:r>
-              <a:rPr lang="en-US" sz="1600" b="0" dirty="0">
-                <a:solidFill>
-                  <a:srgbClr val="0000FF"/>
-                </a:solidFill>
-                <a:effectLst/>
-                <a:latin typeface="Consolas" panose="020B0609020204030204" pitchFamily="49" charset="0"/>
-              </a:rPr>
-              <a:t>const</a:t>
-            </a:r>
-            <a:r>
-              <a:rPr lang="en-US" sz="1600" b="0" dirty="0">
-                <a:solidFill>
-                  <a:srgbClr val="000000"/>
-                </a:solidFill>
-                <a:effectLst/>
-                <a:latin typeface="Consolas" panose="020B0609020204030204" pitchFamily="49" charset="0"/>
-              </a:rPr>
-              <a:t> text1 = </a:t>
-            </a:r>
-            <a:r>
-              <a:rPr lang="en-US" sz="1600" b="0" dirty="0" err="1">
-                <a:solidFill>
-                  <a:srgbClr val="000000"/>
-                </a:solidFill>
-                <a:effectLst/>
-                <a:latin typeface="Consolas" panose="020B0609020204030204" pitchFamily="49" charset="0"/>
-              </a:rPr>
-              <a:t>document.getElementById</a:t>
-            </a:r>
-            <a:r>
-              <a:rPr lang="en-US" sz="1600" b="0" dirty="0">
-                <a:solidFill>
-                  <a:srgbClr val="000000"/>
-                </a:solidFill>
-                <a:effectLst/>
-                <a:latin typeface="Consolas" panose="020B0609020204030204" pitchFamily="49" charset="0"/>
-              </a:rPr>
-              <a:t>(id1).</a:t>
-            </a:r>
-            <a:r>
-              <a:rPr lang="en-US" sz="1600" b="0" dirty="0" err="1">
-                <a:solidFill>
-                  <a:srgbClr val="000000"/>
-                </a:solidFill>
-                <a:effectLst/>
-                <a:latin typeface="Consolas" panose="020B0609020204030204" pitchFamily="49" charset="0"/>
-              </a:rPr>
-              <a:t>innerText</a:t>
-            </a:r>
-            <a:r>
-              <a:rPr lang="en-US" sz="1600" b="0" dirty="0">
-                <a:solidFill>
-                  <a:srgbClr val="000000"/>
-                </a:solidFill>
-                <a:effectLst/>
-                <a:latin typeface="Consolas" panose="020B0609020204030204" pitchFamily="49" charset="0"/>
-              </a:rPr>
-              <a:t>;</a:t>
-            </a:r>
-          </a:p>
-          <a:p>
-            <a:r>
-              <a:rPr lang="en-US" sz="1600" b="0" dirty="0">
-                <a:solidFill>
-                  <a:srgbClr val="000000"/>
-                </a:solidFill>
-                <a:effectLst/>
-                <a:latin typeface="Consolas" panose="020B0609020204030204" pitchFamily="49" charset="0"/>
-              </a:rPr>
-              <a:t>    </a:t>
-            </a:r>
-            <a:r>
-              <a:rPr lang="en-US" sz="1600" b="0" dirty="0">
-                <a:solidFill>
-                  <a:srgbClr val="0000FF"/>
-                </a:solidFill>
-                <a:effectLst/>
-                <a:latin typeface="Consolas" panose="020B0609020204030204" pitchFamily="49" charset="0"/>
-              </a:rPr>
-              <a:t>const</a:t>
-            </a:r>
-            <a:r>
-              <a:rPr lang="en-US" sz="1600" b="0" dirty="0">
-                <a:solidFill>
-                  <a:srgbClr val="000000"/>
-                </a:solidFill>
-                <a:effectLst/>
-                <a:latin typeface="Consolas" panose="020B0609020204030204" pitchFamily="49" charset="0"/>
-              </a:rPr>
-              <a:t> text2 = </a:t>
-            </a:r>
-            <a:r>
-              <a:rPr lang="en-US" sz="1600" b="0" dirty="0" err="1">
-                <a:solidFill>
-                  <a:srgbClr val="000000"/>
-                </a:solidFill>
-                <a:effectLst/>
-                <a:latin typeface="Consolas" panose="020B0609020204030204" pitchFamily="49" charset="0"/>
-              </a:rPr>
-              <a:t>document.getElementById</a:t>
-            </a:r>
-            <a:r>
-              <a:rPr lang="en-US" sz="1600" b="0" dirty="0">
-                <a:solidFill>
-                  <a:srgbClr val="000000"/>
-                </a:solidFill>
-                <a:effectLst/>
-                <a:latin typeface="Consolas" panose="020B0609020204030204" pitchFamily="49" charset="0"/>
-              </a:rPr>
-              <a:t>(id2).</a:t>
-            </a:r>
-            <a:r>
-              <a:rPr lang="en-US" sz="1600" b="0" dirty="0" err="1">
-                <a:solidFill>
-                  <a:srgbClr val="000000"/>
-                </a:solidFill>
-                <a:effectLst/>
-                <a:latin typeface="Consolas" panose="020B0609020204030204" pitchFamily="49" charset="0"/>
-              </a:rPr>
-              <a:t>innerText</a:t>
-            </a:r>
-            <a:r>
-              <a:rPr lang="en-US" sz="1600" b="0" dirty="0">
-                <a:solidFill>
-                  <a:srgbClr val="000000"/>
-                </a:solidFill>
-                <a:effectLst/>
-                <a:latin typeface="Consolas" panose="020B0609020204030204" pitchFamily="49" charset="0"/>
-              </a:rPr>
-              <a:t>;</a:t>
-            </a:r>
-          </a:p>
-          <a:p>
-            <a:r>
-              <a:rPr lang="en-US" sz="1600" b="0" dirty="0">
-                <a:solidFill>
-                  <a:srgbClr val="000000"/>
-                </a:solidFill>
-                <a:effectLst/>
-                <a:latin typeface="Consolas" panose="020B0609020204030204" pitchFamily="49" charset="0"/>
-              </a:rPr>
-              <a:t>    </a:t>
-            </a:r>
-            <a:r>
-              <a:rPr lang="en-US" sz="1600" b="0" dirty="0">
-                <a:solidFill>
-                  <a:srgbClr val="0000FF"/>
-                </a:solidFill>
-                <a:effectLst/>
-                <a:latin typeface="Consolas" panose="020B0609020204030204" pitchFamily="49" charset="0"/>
-              </a:rPr>
-              <a:t>if</a:t>
-            </a:r>
-            <a:r>
-              <a:rPr lang="en-US" sz="1600" b="0" dirty="0">
-                <a:solidFill>
-                  <a:srgbClr val="000000"/>
-                </a:solidFill>
-                <a:effectLst/>
-                <a:latin typeface="Consolas" panose="020B0609020204030204" pitchFamily="49" charset="0"/>
-              </a:rPr>
-              <a:t> (text0 === text1 &amp;&amp; text1 === text2) {</a:t>
-            </a:r>
-          </a:p>
-          <a:p>
-            <a:r>
-              <a:rPr lang="en-US" sz="1600" b="0" dirty="0">
-                <a:solidFill>
-                  <a:srgbClr val="000000"/>
-                </a:solidFill>
-                <a:effectLst/>
-                <a:latin typeface="Consolas" panose="020B0609020204030204" pitchFamily="49" charset="0"/>
-              </a:rPr>
-              <a:t>        </a:t>
-            </a:r>
-            <a:r>
-              <a:rPr lang="en-US" sz="1600" b="0" dirty="0">
-                <a:solidFill>
-                  <a:srgbClr val="0000FF"/>
-                </a:solidFill>
-                <a:effectLst/>
-                <a:latin typeface="Consolas" panose="020B0609020204030204" pitchFamily="49" charset="0"/>
-              </a:rPr>
-              <a:t>return</a:t>
-            </a:r>
-            <a:r>
-              <a:rPr lang="en-US" sz="1600" b="0" dirty="0">
-                <a:solidFill>
-                  <a:srgbClr val="000000"/>
-                </a:solidFill>
-                <a:effectLst/>
-                <a:latin typeface="Consolas" panose="020B0609020204030204" pitchFamily="49" charset="0"/>
-              </a:rPr>
-              <a:t> text0;</a:t>
-            </a:r>
-          </a:p>
-          <a:p>
-            <a:r>
-              <a:rPr lang="en-US" sz="1600" b="0" dirty="0">
-                <a:solidFill>
-                  <a:srgbClr val="000000"/>
-                </a:solidFill>
-                <a:effectLst/>
-                <a:latin typeface="Consolas" panose="020B0609020204030204" pitchFamily="49" charset="0"/>
-              </a:rPr>
-              <a:t>    }</a:t>
-            </a:r>
-          </a:p>
-          <a:p>
-            <a:r>
-              <a:rPr lang="en-US" sz="1600" b="0" dirty="0">
-                <a:solidFill>
-                  <a:srgbClr val="000000"/>
-                </a:solidFill>
-                <a:effectLst/>
-                <a:latin typeface="Consolas" panose="020B0609020204030204" pitchFamily="49" charset="0"/>
-              </a:rPr>
-              <a:t>    </a:t>
-            </a:r>
-            <a:r>
-              <a:rPr lang="en-US" sz="1600" b="0" dirty="0">
-                <a:solidFill>
-                  <a:srgbClr val="0000FF"/>
-                </a:solidFill>
-                <a:effectLst/>
-                <a:latin typeface="Consolas" panose="020B0609020204030204" pitchFamily="49" charset="0"/>
-              </a:rPr>
-              <a:t>return</a:t>
-            </a:r>
-            <a:r>
-              <a:rPr lang="en-US" sz="1600" b="0" dirty="0">
-                <a:solidFill>
-                  <a:srgbClr val="000000"/>
-                </a:solidFill>
-                <a:effectLst/>
-                <a:latin typeface="Consolas" panose="020B0609020204030204" pitchFamily="49" charset="0"/>
-              </a:rPr>
-              <a:t> </a:t>
-            </a:r>
-            <a:r>
-              <a:rPr lang="en-US" sz="1600" b="0" dirty="0">
-                <a:solidFill>
-                  <a:srgbClr val="A31515"/>
-                </a:solidFill>
-                <a:effectLst/>
-                <a:latin typeface="Consolas" panose="020B0609020204030204" pitchFamily="49" charset="0"/>
-              </a:rPr>
-              <a:t>""</a:t>
-            </a:r>
-            <a:r>
-              <a:rPr lang="en-US" sz="1600" b="0" dirty="0">
-                <a:solidFill>
-                  <a:srgbClr val="000000"/>
-                </a:solidFill>
-                <a:effectLst/>
-                <a:latin typeface="Consolas" panose="020B0609020204030204" pitchFamily="49" charset="0"/>
-              </a:rPr>
-              <a:t>;</a:t>
-            </a:r>
-          </a:p>
-          <a:p>
-            <a:r>
-              <a:rPr lang="en-US" sz="1600" b="0" dirty="0">
-                <a:solidFill>
-                  <a:srgbClr val="000000"/>
-                </a:solidFill>
-                <a:effectLst/>
-                <a:latin typeface="Consolas" panose="020B0609020204030204" pitchFamily="49" charset="0"/>
-              </a:rPr>
-              <a:t>}</a:t>
-            </a:r>
-          </a:p>
-        </p:txBody>
-      </p:sp>
-    </p:spTree>
-    <p:extLst>
-      <p:ext uri="{BB962C8B-B14F-4D97-AF65-F5344CB8AC3E}">
-        <p14:creationId xmlns:p14="http://schemas.microsoft.com/office/powerpoint/2010/main" val="2101851151"/>
-      </p:ext>
-    </p:extLst>
-  </p:cSld>
-  <p:clrMapOvr>
-    <a:masterClrMapping/>
-  </p:clrMapOvr>
-</p:sld>
-</file>
-
-<file path=ppt/slides/slide14.xml><?xml version="1.0" encoding="utf-8"?>
 <p:sld xmlns:a="http://schemas.openxmlformats.org/drawingml/2006/main" xmlns:r="http://schemas.openxmlformats.org/officeDocument/2006/relationships" xmlns:p="http://schemas.openxmlformats.org/presentationml/2006/main">
   <p:cSld>
     <p:spTree>
@@ -9518,7 +8657,27 @@
                 <a:effectLst/>
                 <a:latin typeface="Consolas" panose="020B0609020204030204" pitchFamily="49" charset="0"/>
               </a:rPr>
-              <a:t> (text0 === text1 &amp;&amp; text1 === text2) {</a:t>
+              <a:t> (text0 !== </a:t>
+            </a:r>
+            <a:r>
+              <a:rPr lang="en-US" sz="1200" b="0" dirty="0">
+                <a:solidFill>
+                  <a:srgbClr val="A31515"/>
+                </a:solidFill>
+                <a:effectLst/>
+                <a:latin typeface="Consolas" panose="020B0609020204030204" pitchFamily="49" charset="0"/>
+              </a:rPr>
+              <a:t>""</a:t>
+            </a:r>
+            <a:r>
+              <a:rPr lang="en-US" sz="1200" b="0" dirty="0">
+                <a:solidFill>
+                  <a:srgbClr val="000000"/>
+                </a:solidFill>
+                <a:effectLst/>
+                <a:latin typeface="Consolas" panose="020B0609020204030204" pitchFamily="49" charset="0"/>
+              </a:rPr>
+              <a:t> &amp;&amp; text0 === text1 &amp;&amp; text1 === text2) {</a:t>
             </a:r>
           </a:p>
           <a:p>
@@ -10067,7 +9226,27 @@
                 <a:effectLst/>
                 <a:latin typeface="Consolas" panose="020B0609020204030204" pitchFamily="49" charset="0"/>
               </a:rPr>
-              <a:t> (text0 === text1 &amp;&amp; text1 === text2) {</a:t>
+              <a:t> (text0 !== </a:t>
+            </a:r>
+            <a:r>
+              <a:rPr lang="en-US" sz="1200" b="0" dirty="0">
+                <a:solidFill>
+                  <a:srgbClr val="A31515"/>
+                </a:solidFill>
+                <a:effectLst/>
+                <a:latin typeface="Consolas" panose="020B0609020204030204" pitchFamily="49" charset="0"/>
+              </a:rPr>
+              <a:t>""</a:t>
+            </a:r>
+            <a:r>
+              <a:rPr lang="en-US" sz="1200" b="0" dirty="0">
+                <a:solidFill>
+                  <a:srgbClr val="000000"/>
+                </a:solidFill>
+                <a:effectLst/>
+                <a:latin typeface="Consolas" panose="020B0609020204030204" pitchFamily="49" charset="0"/>
+              </a:rPr>
+              <a:t> &amp;&amp; text0 === text1 &amp;&amp; text1 === text2) {</a:t>
             </a:r>
           </a:p>
           <a:p>
@@ -10340,6 +9519,907 @@
     <p:extLst>
       <p:ext uri="{BB962C8B-B14F-4D97-AF65-F5344CB8AC3E}">
         <p14:creationId xmlns:p14="http://schemas.microsoft.com/office/powerpoint/2010/main" val="3006631629"/>
+      </p:ext>
+    </p:extLst>
+  </p:cSld>
+  <p:clrMapOvr>
+    <a:masterClrMapping/>
+  </p:clrMapOvr>
+</p:sld>
+</file>
+
+<file path=ppt/slides/slide14.xml><?xml version="1.0" encoding="utf-8"?>
+<p:sld xmlns:a="http://schemas.openxmlformats.org/drawingml/2006/main" xmlns:r="http://schemas.openxmlformats.org/officeDocument/2006/relationships" xmlns:p="http://schemas.openxmlformats.org/presentationml/2006/main">
+  <p:cSld>
+    <p:spTree>
+      <p:nvGrpSpPr>
+        <p:cNvPr id="1" name=""/>
+        <p:cNvGrpSpPr/>
+        <p:nvPr/>
+      </p:nvGrpSpPr>
+      <p:grpSpPr>
+        <a:xfrm>
+          <a:off x="0" y="0"/>
+          <a:ext cx="0" cy="0"/>
+          <a:chOff x="0" y="0"/>
+          <a:chExt cx="0" cy="0"/>
+        </a:xfrm>
+      </p:grpSpPr>
+      <p:sp>
+        <p:nvSpPr>
+          <p:cNvPr id="2" name="Title 1">
+            <a:extLst>
+              <a:ext uri="{FF2B5EF4-FFF2-40B4-BE49-F238E27FC236}">
+                <a16:creationId xmlns:a16="http://schemas.microsoft.com/office/drawing/2014/main" id="{90601A8F-678D-F78E-E589-0408E2469849}"/>
+              </a:ext>
+            </a:extLst>
+          </p:cNvPr>
+          <p:cNvSpPr>
+            <a:spLocks noGrp="1"/>
+          </p:cNvSpPr>
+          <p:nvPr>
+            <p:ph type="title"/>
+          </p:nvPr>
+        </p:nvSpPr>
+        <p:spPr/>
+        <p:txBody>
+          <a:bodyPr/>
+          <a:lstStyle/>
+          <a:p>
+            <a:r>
+              <a:rPr lang="en-US" b="0" i="0" dirty="0">
+                <a:solidFill>
+                  <a:srgbClr val="000000"/>
+                </a:solidFill>
+                <a:effectLst/>
+                <a:latin typeface="Segoe UI" panose="020B0502040204020203" pitchFamily="34" charset="0"/>
+              </a:rPr>
+              <a:t>JavaScript Comparison Operators</a:t>
+            </a:r>
+            <a:r>
+              <a:rPr lang="en-US" dirty="0"/>
+              <a:t> </a:t>
+            </a:r>
+          </a:p>
+        </p:txBody>
+      </p:sp>
+      <p:sp>
+        <p:nvSpPr>
+          <p:cNvPr id="4" name="TextBox 3">
+            <a:extLst>
+              <a:ext uri="{FF2B5EF4-FFF2-40B4-BE49-F238E27FC236}">
+                <a16:creationId xmlns:a16="http://schemas.microsoft.com/office/drawing/2014/main" id="{A252AD0E-2EA2-730A-4462-2B5A8B8BC9FC}"/>
+              </a:ext>
+            </a:extLst>
+          </p:cNvPr>
+          <p:cNvSpPr txBox="1"/>
+          <p:nvPr/>
+        </p:nvSpPr>
+        <p:spPr>
+          <a:xfrm>
+            <a:off x="1729954" y="2274838"/>
+            <a:ext cx="7277688" cy="2308324"/>
+          </a:xfrm>
+          <a:custGeom>
+            <a:avLst/>
+            <a:gdLst>
+              <a:gd name="connsiteX0" fmla="*/ 0 w 7277688"/>
+              <a:gd name="connsiteY0" fmla="*/ 0 h 2308324"/>
+              <a:gd name="connsiteX1" fmla="*/ 559822 w 7277688"/>
+              <a:gd name="connsiteY1" fmla="*/ 0 h 2308324"/>
+              <a:gd name="connsiteX2" fmla="*/ 1119644 w 7277688"/>
+              <a:gd name="connsiteY2" fmla="*/ 0 h 2308324"/>
+              <a:gd name="connsiteX3" fmla="*/ 1533913 w 7277688"/>
+              <a:gd name="connsiteY3" fmla="*/ 0 h 2308324"/>
+              <a:gd name="connsiteX4" fmla="*/ 2020958 w 7277688"/>
+              <a:gd name="connsiteY4" fmla="*/ 0 h 2308324"/>
+              <a:gd name="connsiteX5" fmla="*/ 2508003 w 7277688"/>
+              <a:gd name="connsiteY5" fmla="*/ 0 h 2308324"/>
+              <a:gd name="connsiteX6" fmla="*/ 2849495 w 7277688"/>
+              <a:gd name="connsiteY6" fmla="*/ 0 h 2308324"/>
+              <a:gd name="connsiteX7" fmla="*/ 3336540 w 7277688"/>
+              <a:gd name="connsiteY7" fmla="*/ 0 h 2308324"/>
+              <a:gd name="connsiteX8" fmla="*/ 3969139 w 7277688"/>
+              <a:gd name="connsiteY8" fmla="*/ 0 h 2308324"/>
+              <a:gd name="connsiteX9" fmla="*/ 4383407 w 7277688"/>
+              <a:gd name="connsiteY9" fmla="*/ 0 h 2308324"/>
+              <a:gd name="connsiteX10" fmla="*/ 4797676 w 7277688"/>
+              <a:gd name="connsiteY10" fmla="*/ 0 h 2308324"/>
+              <a:gd name="connsiteX11" fmla="*/ 5284721 w 7277688"/>
+              <a:gd name="connsiteY11" fmla="*/ 0 h 2308324"/>
+              <a:gd name="connsiteX12" fmla="*/ 5844543 w 7277688"/>
+              <a:gd name="connsiteY12" fmla="*/ 0 h 2308324"/>
+              <a:gd name="connsiteX13" fmla="*/ 6404365 w 7277688"/>
+              <a:gd name="connsiteY13" fmla="*/ 0 h 2308324"/>
+              <a:gd name="connsiteX14" fmla="*/ 7277688 w 7277688"/>
+              <a:gd name="connsiteY14" fmla="*/ 0 h 2308324"/>
+              <a:gd name="connsiteX15" fmla="*/ 7277688 w 7277688"/>
+              <a:gd name="connsiteY15" fmla="*/ 623247 h 2308324"/>
+              <a:gd name="connsiteX16" fmla="*/ 7277688 w 7277688"/>
+              <a:gd name="connsiteY16" fmla="*/ 1177245 h 2308324"/>
+              <a:gd name="connsiteX17" fmla="*/ 7277688 w 7277688"/>
+              <a:gd name="connsiteY17" fmla="*/ 1731243 h 2308324"/>
+              <a:gd name="connsiteX18" fmla="*/ 7277688 w 7277688"/>
+              <a:gd name="connsiteY18" fmla="*/ 2308324 h 2308324"/>
+              <a:gd name="connsiteX19" fmla="*/ 6790643 w 7277688"/>
+              <a:gd name="connsiteY19" fmla="*/ 2308324 h 2308324"/>
+              <a:gd name="connsiteX20" fmla="*/ 6449151 w 7277688"/>
+              <a:gd name="connsiteY20" fmla="*/ 2308324 h 2308324"/>
+              <a:gd name="connsiteX21" fmla="*/ 6034883 w 7277688"/>
+              <a:gd name="connsiteY21" fmla="*/ 2308324 h 2308324"/>
+              <a:gd name="connsiteX22" fmla="*/ 5693391 w 7277688"/>
+              <a:gd name="connsiteY22" fmla="*/ 2308324 h 2308324"/>
+              <a:gd name="connsiteX23" fmla="*/ 5279123 w 7277688"/>
+              <a:gd name="connsiteY23" fmla="*/ 2308324 h 2308324"/>
+              <a:gd name="connsiteX24" fmla="*/ 4864855 w 7277688"/>
+              <a:gd name="connsiteY24" fmla="*/ 2308324 h 2308324"/>
+              <a:gd name="connsiteX25" fmla="*/ 4305032 w 7277688"/>
+              <a:gd name="connsiteY25" fmla="*/ 2308324 h 2308324"/>
+              <a:gd name="connsiteX26" fmla="*/ 3817987 w 7277688"/>
+              <a:gd name="connsiteY26" fmla="*/ 2308324 h 2308324"/>
+              <a:gd name="connsiteX27" fmla="*/ 3185388 w 7277688"/>
+              <a:gd name="connsiteY27" fmla="*/ 2308324 h 2308324"/>
+              <a:gd name="connsiteX28" fmla="*/ 2625566 w 7277688"/>
+              <a:gd name="connsiteY28" fmla="*/ 2308324 h 2308324"/>
+              <a:gd name="connsiteX29" fmla="*/ 1992967 w 7277688"/>
+              <a:gd name="connsiteY29" fmla="*/ 2308324 h 2308324"/>
+              <a:gd name="connsiteX30" fmla="*/ 1578698 w 7277688"/>
+              <a:gd name="connsiteY30" fmla="*/ 2308324 h 2308324"/>
+              <a:gd name="connsiteX31" fmla="*/ 1164430 w 7277688"/>
+              <a:gd name="connsiteY31" fmla="*/ 2308324 h 2308324"/>
+              <a:gd name="connsiteX32" fmla="*/ 677385 w 7277688"/>
+              <a:gd name="connsiteY32" fmla="*/ 2308324 h 2308324"/>
+              <a:gd name="connsiteX33" fmla="*/ 0 w 7277688"/>
+              <a:gd name="connsiteY33" fmla="*/ 2308324 h 2308324"/>
+              <a:gd name="connsiteX34" fmla="*/ 0 w 7277688"/>
+              <a:gd name="connsiteY34" fmla="*/ 1731243 h 2308324"/>
+              <a:gd name="connsiteX35" fmla="*/ 0 w 7277688"/>
+              <a:gd name="connsiteY35" fmla="*/ 1107996 h 2308324"/>
+              <a:gd name="connsiteX36" fmla="*/ 0 w 7277688"/>
+              <a:gd name="connsiteY36" fmla="*/ 507831 h 2308324"/>
+              <a:gd name="connsiteX37" fmla="*/ 0 w 7277688"/>
+              <a:gd name="connsiteY37" fmla="*/ 0 h 2308324"/>
+            </a:gdLst>
+            <a:ahLst/>
+            <a:cxnLst>
+              <a:cxn ang="0">
+                <a:pos x="connsiteX0" y="connsiteY0"/>
+              </a:cxn>
+              <a:cxn ang="0">
+                <a:pos x="connsiteX1" y="connsiteY1"/>
+              </a:cxn>
+              <a:cxn ang="0">
+                <a:pos x="connsiteX2" y="connsiteY2"/>
+              </a:cxn>
+              <a:cxn ang="0">
+                <a:pos x="connsiteX3" y="connsiteY3"/>
+              </a:cxn>
+              <a:cxn ang="0">
+                <a:pos x="connsiteX4" y="connsiteY4"/>
+              </a:cxn>
+              <a:cxn ang="0">
+                <a:pos x="connsiteX5" y="connsiteY5"/>
+              </a:cxn>
+              <a:cxn ang="0">
+                <a:pos x="connsiteX6" y="connsiteY6"/>
+              </a:cxn>
+              <a:cxn ang="0">
+                <a:pos x="connsiteX7" y="connsiteY7"/>
+              </a:cxn>
+              <a:cxn ang="0">
+                <a:pos x="connsiteX8" y="connsiteY8"/>
+              </a:cxn>
+              <a:cxn ang="0">
+                <a:pos x="connsiteX9" y="connsiteY9"/>
+              </a:cxn>
+              <a:cxn ang="0">
+                <a:pos x="connsiteX10" y="connsiteY10"/>
+              </a:cxn>
+              <a:cxn ang="0">
+                <a:pos x="connsiteX11" y="connsiteY11"/>
+              </a:cxn>
+              <a:cxn ang="0">
+                <a:pos x="connsiteX12" y="connsiteY12"/>
+              </a:cxn>
+              <a:cxn ang="0">
+                <a:pos x="connsiteX13" y="connsiteY13"/>
+              </a:cxn>
+              <a:cxn ang="0">
+                <a:pos x="connsiteX14" y="connsiteY14"/>
+              </a:cxn>
+              <a:cxn ang="0">
+                <a:pos x="connsiteX15" y="connsiteY15"/>
+              </a:cxn>
+              <a:cxn ang="0">
+                <a:pos x="connsiteX16" y="connsiteY16"/>
+              </a:cxn>
+              <a:cxn ang="0">
+                <a:pos x="connsiteX17" y="connsiteY17"/>
+              </a:cxn>
+              <a:cxn ang="0">
+                <a:pos x="connsiteX18" y="connsiteY18"/>
+              </a:cxn>
+              <a:cxn ang="0">
+                <a:pos x="connsiteX19" y="connsiteY19"/>
+              </a:cxn>
+              <a:cxn ang="0">
+                <a:pos x="connsiteX20" y="connsiteY20"/>
+              </a:cxn>
+              <a:cxn ang="0">
+                <a:pos x="connsiteX21" y="connsiteY21"/>
+              </a:cxn>
+              <a:cxn ang="0">
+                <a:pos x="connsiteX22" y="connsiteY22"/>
+              </a:cxn>
+              <a:cxn ang="0">
+                <a:pos x="connsiteX23" y="connsiteY23"/>
+              </a:cxn>
+              <a:cxn ang="0">
+                <a:pos x="connsiteX24" y="connsiteY24"/>
+              </a:cxn>
+              <a:cxn ang="0">
+                <a:pos x="connsiteX25" y="connsiteY25"/>
+              </a:cxn>
+              <a:cxn ang="0">
+                <a:pos x="connsiteX26" y="connsiteY26"/>
+              </a:cxn>
+              <a:cxn ang="0">
+                <a:pos x="connsiteX27" y="connsiteY27"/>
+              </a:cxn>
+              <a:cxn ang="0">
+                <a:pos x="connsiteX28" y="connsiteY28"/>
+              </a:cxn>
+              <a:cxn ang="0">
+                <a:pos x="connsiteX29" y="connsiteY29"/>
+              </a:cxn>
+              <a:cxn ang="0">
+                <a:pos x="connsiteX30" y="connsiteY30"/>
+              </a:cxn>
+              <a:cxn ang="0">
+                <a:pos x="connsiteX31" y="connsiteY31"/>
+              </a:cxn>
+              <a:cxn ang="0">
+                <a:pos x="connsiteX32" y="connsiteY32"/>
+              </a:cxn>
+              <a:cxn ang="0">
+                <a:pos x="connsiteX33" y="connsiteY33"/>
+              </a:cxn>
+              <a:cxn ang="0">
+                <a:pos x="connsiteX34" y="connsiteY34"/>
+              </a:cxn>
+              <a:cxn ang="0">
+                <a:pos x="connsiteX35" y="connsiteY35"/>
+              </a:cxn>
+              <a:cxn ang="0">
+                <a:pos x="connsiteX36" y="connsiteY36"/>
+              </a:cxn>
+              <a:cxn ang="0">
+                <a:pos x="connsiteX37" y="connsiteY37"/>
+              </a:cxn>
+            </a:cxnLst>
+            <a:rect l="l" t="t" r="r" b="b"/>
+            <a:pathLst>
+              <a:path w="7277688" h="2308324" extrusionOk="0">
+                <a:moveTo>
+                  <a:pt x="0" y="0"/>
+                </a:moveTo>
+                <a:cubicBezTo>
+                  <a:pt x="189556" y="-21443"/>
+                  <a:pt x="430601" y="66539"/>
+                  <a:pt x="559822" y="0"/>
+                </a:cubicBezTo>
+                <a:cubicBezTo>
+                  <a:pt x="689043" y="-66539"/>
+                  <a:pt x="999645" y="52967"/>
+                  <a:pt x="1119644" y="0"/>
+                </a:cubicBezTo>
+                <a:cubicBezTo>
+                  <a:pt x="1239643" y="-52967"/>
+                  <a:pt x="1331893" y="8150"/>
+                  <a:pt x="1533913" y="0"/>
+                </a:cubicBezTo>
+                <a:cubicBezTo>
+                  <a:pt x="1735933" y="-8150"/>
+                  <a:pt x="1896449" y="5422"/>
+                  <a:pt x="2020958" y="0"/>
+                </a:cubicBezTo>
+                <a:cubicBezTo>
+                  <a:pt x="2145468" y="-5422"/>
+                  <a:pt x="2272455" y="27303"/>
+                  <a:pt x="2508003" y="0"/>
+                </a:cubicBezTo>
+                <a:cubicBezTo>
+                  <a:pt x="2743552" y="-27303"/>
+                  <a:pt x="2679311" y="27924"/>
+                  <a:pt x="2849495" y="0"/>
+                </a:cubicBezTo>
+                <a:cubicBezTo>
+                  <a:pt x="3019679" y="-27924"/>
+                  <a:pt x="3218720" y="41077"/>
+                  <a:pt x="3336540" y="0"/>
+                </a:cubicBezTo>
+                <a:cubicBezTo>
+                  <a:pt x="3454360" y="-41077"/>
+                  <a:pt x="3692814" y="49557"/>
+                  <a:pt x="3969139" y="0"/>
+                </a:cubicBezTo>
+                <a:cubicBezTo>
+                  <a:pt x="4245464" y="-49557"/>
+                  <a:pt x="4251861" y="13053"/>
+                  <a:pt x="4383407" y="0"/>
+                </a:cubicBezTo>
+                <a:cubicBezTo>
+                  <a:pt x="4514953" y="-13053"/>
+                  <a:pt x="4605569" y="18450"/>
+                  <a:pt x="4797676" y="0"/>
+                </a:cubicBezTo>
+                <a:cubicBezTo>
+                  <a:pt x="4989783" y="-18450"/>
+                  <a:pt x="5100595" y="3593"/>
+                  <a:pt x="5284721" y="0"/>
+                </a:cubicBezTo>
+                <a:cubicBezTo>
+                  <a:pt x="5468848" y="-3593"/>
+                  <a:pt x="5653526" y="55654"/>
+                  <a:pt x="5844543" y="0"/>
+                </a:cubicBezTo>
+                <a:cubicBezTo>
+                  <a:pt x="6035560" y="-55654"/>
+                  <a:pt x="6280589" y="1307"/>
+                  <a:pt x="6404365" y="0"/>
+                </a:cubicBezTo>
+                <a:cubicBezTo>
+                  <a:pt x="6528141" y="-1307"/>
+                  <a:pt x="6985056" y="20163"/>
+                  <a:pt x="7277688" y="0"/>
+                </a:cubicBezTo>
+                <a:cubicBezTo>
+                  <a:pt x="7323978" y="274003"/>
+                  <a:pt x="7215082" y="363917"/>
+                  <a:pt x="7277688" y="623247"/>
+                </a:cubicBezTo>
+                <a:cubicBezTo>
+                  <a:pt x="7340294" y="882577"/>
+                  <a:pt x="7222629" y="962337"/>
+                  <a:pt x="7277688" y="1177245"/>
+                </a:cubicBezTo>
+                <a:cubicBezTo>
+                  <a:pt x="7332747" y="1392153"/>
+                  <a:pt x="7221554" y="1476552"/>
+                  <a:pt x="7277688" y="1731243"/>
+                </a:cubicBezTo>
+                <a:cubicBezTo>
+                  <a:pt x="7333822" y="1985934"/>
+                  <a:pt x="7271609" y="2168371"/>
+                  <a:pt x="7277688" y="2308324"/>
+                </a:cubicBezTo>
+                <a:cubicBezTo>
+                  <a:pt x="7067986" y="2364157"/>
+                  <a:pt x="7000236" y="2303028"/>
+                  <a:pt x="6790643" y="2308324"/>
+                </a:cubicBezTo>
+                <a:cubicBezTo>
+                  <a:pt x="6581050" y="2313620"/>
+                  <a:pt x="6587212" y="2267723"/>
+                  <a:pt x="6449151" y="2308324"/>
+                </a:cubicBezTo>
+                <a:cubicBezTo>
+                  <a:pt x="6311090" y="2348925"/>
+                  <a:pt x="6229041" y="2275595"/>
+                  <a:pt x="6034883" y="2308324"/>
+                </a:cubicBezTo>
+                <a:cubicBezTo>
+                  <a:pt x="5840725" y="2341053"/>
+                  <a:pt x="5775949" y="2304133"/>
+                  <a:pt x="5693391" y="2308324"/>
+                </a:cubicBezTo>
+                <a:cubicBezTo>
+                  <a:pt x="5610833" y="2312515"/>
+                  <a:pt x="5483303" y="2298912"/>
+                  <a:pt x="5279123" y="2308324"/>
+                </a:cubicBezTo>
+                <a:cubicBezTo>
+                  <a:pt x="5074943" y="2317736"/>
+                  <a:pt x="4955967" y="2281596"/>
+                  <a:pt x="4864855" y="2308324"/>
+                </a:cubicBezTo>
+                <a:cubicBezTo>
+                  <a:pt x="4773743" y="2335052"/>
+                  <a:pt x="4566529" y="2286380"/>
+                  <a:pt x="4305032" y="2308324"/>
+                </a:cubicBezTo>
+                <a:cubicBezTo>
+                  <a:pt x="4043535" y="2330268"/>
+                  <a:pt x="4015174" y="2301450"/>
+                  <a:pt x="3817987" y="2308324"/>
+                </a:cubicBezTo>
+                <a:cubicBezTo>
+                  <a:pt x="3620800" y="2315198"/>
+                  <a:pt x="3391880" y="2297046"/>
+                  <a:pt x="3185388" y="2308324"/>
+                </a:cubicBezTo>
+                <a:cubicBezTo>
+                  <a:pt x="2978896" y="2319602"/>
+                  <a:pt x="2758071" y="2295622"/>
+                  <a:pt x="2625566" y="2308324"/>
+                </a:cubicBezTo>
+                <a:cubicBezTo>
+                  <a:pt x="2493061" y="2321026"/>
+                  <a:pt x="2303045" y="2254747"/>
+                  <a:pt x="1992967" y="2308324"/>
+                </a:cubicBezTo>
+                <a:cubicBezTo>
+                  <a:pt x="1682889" y="2361901"/>
+                  <a:pt x="1700366" y="2269511"/>
+                  <a:pt x="1578698" y="2308324"/>
+                </a:cubicBezTo>
+                <a:cubicBezTo>
+                  <a:pt x="1457030" y="2347137"/>
+                  <a:pt x="1300480" y="2276935"/>
+                  <a:pt x="1164430" y="2308324"/>
+                </a:cubicBezTo>
+                <a:cubicBezTo>
+                  <a:pt x="1028380" y="2339713"/>
+                  <a:pt x="841848" y="2285970"/>
+                  <a:pt x="677385" y="2308324"/>
+                </a:cubicBezTo>
+                <a:cubicBezTo>
+                  <a:pt x="512923" y="2330678"/>
+                  <a:pt x="247510" y="2233566"/>
+                  <a:pt x="0" y="2308324"/>
+                </a:cubicBezTo>
+                <a:cubicBezTo>
+                  <a:pt x="-56052" y="2105157"/>
+                  <a:pt x="68258" y="1954263"/>
+                  <a:pt x="0" y="1731243"/>
+                </a:cubicBezTo>
+                <a:cubicBezTo>
+                  <a:pt x="-68258" y="1508223"/>
+                  <a:pt x="34094" y="1292170"/>
+                  <a:pt x="0" y="1107996"/>
+                </a:cubicBezTo>
+                <a:cubicBezTo>
+                  <a:pt x="-34094" y="923822"/>
+                  <a:pt x="13123" y="804950"/>
+                  <a:pt x="0" y="507831"/>
+                </a:cubicBezTo>
+                <a:cubicBezTo>
+                  <a:pt x="-13123" y="210713"/>
+                  <a:pt x="19267" y="144820"/>
+                  <a:pt x="0" y="0"/>
+                </a:cubicBezTo>
+                <a:close/>
+              </a:path>
+            </a:pathLst>
+          </a:custGeom>
+          <a:noFill/>
+          <a:ln>
+            <a:solidFill>
+              <a:schemeClr val="tx1"/>
+            </a:solidFill>
+            <a:extLst>
+              <a:ext uri="{C807C97D-BFC1-408E-A445-0C87EB9F89A2}">
+                <ask:lineSketchStyleProps xmlns:ask="http://schemas.microsoft.com/office/drawing/2018/sketchyshapes" sd="1669558738">
+                  <a:prstGeom prst="rect">
+                    <a:avLst/>
+                  </a:prstGeom>
+                  <ask:type>
+                    <ask:lineSketchScribble/>
+                  </ask:type>
+                </ask:lineSketchStyleProps>
+              </a:ext>
+            </a:extLst>
+          </a:ln>
+        </p:spPr>
+        <p:txBody>
+          <a:bodyPr wrap="square">
+            <a:spAutoFit/>
+          </a:bodyPr>
+          <a:lstStyle/>
+          <a:p>
+            <a:r>
+              <a:rPr lang="en-US" sz="1600" b="0" dirty="0">
+                <a:solidFill>
+                  <a:srgbClr val="0000FF"/>
+                </a:solidFill>
+                <a:effectLst/>
+                <a:latin typeface="Consolas" panose="020B0609020204030204" pitchFamily="49" charset="0"/>
+              </a:rPr>
+              <a:t>function</a:t>
+            </a:r>
+            <a:r>
+              <a:rPr lang="en-US" sz="1600" b="0" dirty="0">
+                <a:solidFill>
+                  <a:srgbClr val="000000"/>
+                </a:solidFill>
+                <a:effectLst/>
+                <a:latin typeface="Consolas" panose="020B0609020204030204" pitchFamily="49" charset="0"/>
+              </a:rPr>
+              <a:t> Check3Blocks(id0, id1, id2) {</a:t>
+            </a:r>
+          </a:p>
+          <a:p>
+            <a:r>
+              <a:rPr lang="en-US" sz="1600" b="0" dirty="0">
+                <a:solidFill>
+                  <a:srgbClr val="000000"/>
+                </a:solidFill>
+                <a:effectLst/>
+                <a:latin typeface="Consolas" panose="020B0609020204030204" pitchFamily="49" charset="0"/>
+              </a:rPr>
+              <a:t>    </a:t>
+            </a:r>
+            <a:r>
+              <a:rPr lang="en-US" sz="1600" b="0" dirty="0">
+                <a:solidFill>
+                  <a:srgbClr val="0000FF"/>
+                </a:solidFill>
+                <a:effectLst/>
+                <a:latin typeface="Consolas" panose="020B0609020204030204" pitchFamily="49" charset="0"/>
+              </a:rPr>
+              <a:t>const</a:t>
+            </a:r>
+            <a:r>
+              <a:rPr lang="en-US" sz="1600" b="0" dirty="0">
+                <a:solidFill>
+                  <a:srgbClr val="000000"/>
+                </a:solidFill>
+                <a:effectLst/>
+                <a:latin typeface="Consolas" panose="020B0609020204030204" pitchFamily="49" charset="0"/>
+              </a:rPr>
+              <a:t> text0 = </a:t>
+            </a:r>
+            <a:r>
+              <a:rPr lang="en-US" sz="1600" b="0" dirty="0" err="1">
+                <a:solidFill>
+                  <a:srgbClr val="000000"/>
+                </a:solidFill>
+                <a:effectLst/>
+                <a:latin typeface="Consolas" panose="020B0609020204030204" pitchFamily="49" charset="0"/>
+              </a:rPr>
+              <a:t>document.getElementById</a:t>
+            </a:r>
+            <a:r>
+              <a:rPr lang="en-US" sz="1600" b="0" dirty="0">
+                <a:solidFill>
+                  <a:srgbClr val="000000"/>
+                </a:solidFill>
+                <a:effectLst/>
+                <a:latin typeface="Consolas" panose="020B0609020204030204" pitchFamily="49" charset="0"/>
+              </a:rPr>
+              <a:t>(id0).</a:t>
+            </a:r>
+            <a:r>
+              <a:rPr lang="en-US" sz="1600" b="0" dirty="0" err="1">
+                <a:solidFill>
+                  <a:srgbClr val="000000"/>
+                </a:solidFill>
+                <a:effectLst/>
+                <a:latin typeface="Consolas" panose="020B0609020204030204" pitchFamily="49" charset="0"/>
+              </a:rPr>
+              <a:t>innerText</a:t>
+            </a:r>
+            <a:r>
+              <a:rPr lang="en-US" sz="1600" b="0" dirty="0">
+                <a:solidFill>
+                  <a:srgbClr val="000000"/>
+                </a:solidFill>
+                <a:effectLst/>
+                <a:latin typeface="Consolas" panose="020B0609020204030204" pitchFamily="49" charset="0"/>
+              </a:rPr>
+              <a:t>;</a:t>
+            </a:r>
+          </a:p>
+          <a:p>
+            <a:r>
+              <a:rPr lang="en-US" sz="1600" b="0" dirty="0">
+                <a:solidFill>
+                  <a:srgbClr val="000000"/>
+                </a:solidFill>
+                <a:effectLst/>
+                <a:latin typeface="Consolas" panose="020B0609020204030204" pitchFamily="49" charset="0"/>
+              </a:rPr>
+              <a:t>    </a:t>
+            </a:r>
+            <a:r>
+              <a:rPr lang="en-US" sz="1600" b="0" dirty="0">
+                <a:solidFill>
+                  <a:srgbClr val="0000FF"/>
+                </a:solidFill>
+                <a:effectLst/>
+                <a:latin typeface="Consolas" panose="020B0609020204030204" pitchFamily="49" charset="0"/>
+              </a:rPr>
+              <a:t>const</a:t>
+            </a:r>
+            <a:r>
+              <a:rPr lang="en-US" sz="1600" b="0" dirty="0">
+                <a:solidFill>
+                  <a:srgbClr val="000000"/>
+                </a:solidFill>
+                <a:effectLst/>
+                <a:latin typeface="Consolas" panose="020B0609020204030204" pitchFamily="49" charset="0"/>
+              </a:rPr>
+              <a:t> text1 = </a:t>
+            </a:r>
+            <a:r>
+              <a:rPr lang="en-US" sz="1600" b="0" dirty="0" err="1">
+                <a:solidFill>
+                  <a:srgbClr val="000000"/>
+                </a:solidFill>
+                <a:effectLst/>
+                <a:latin typeface="Consolas" panose="020B0609020204030204" pitchFamily="49" charset="0"/>
+              </a:rPr>
+              <a:t>document.getElementById</a:t>
+            </a:r>
+            <a:r>
+              <a:rPr lang="en-US" sz="1600" b="0" dirty="0">
+                <a:solidFill>
+                  <a:srgbClr val="000000"/>
+                </a:solidFill>
+                <a:effectLst/>
+                <a:latin typeface="Consolas" panose="020B0609020204030204" pitchFamily="49" charset="0"/>
+              </a:rPr>
+              <a:t>(id1).</a:t>
+            </a:r>
+            <a:r>
+              <a:rPr lang="en-US" sz="1600" b="0" dirty="0" err="1">
+                <a:solidFill>
+                  <a:srgbClr val="000000"/>
+                </a:solidFill>
+                <a:effectLst/>
+                <a:latin typeface="Consolas" panose="020B0609020204030204" pitchFamily="49" charset="0"/>
+              </a:rPr>
+              <a:t>innerText</a:t>
+            </a:r>
+            <a:r>
+              <a:rPr lang="en-US" sz="1600" b="0" dirty="0">
+                <a:solidFill>
+                  <a:srgbClr val="000000"/>
+                </a:solidFill>
+                <a:effectLst/>
+                <a:latin typeface="Consolas" panose="020B0609020204030204" pitchFamily="49" charset="0"/>
+              </a:rPr>
+              <a:t>;</a:t>
+            </a:r>
+          </a:p>
+          <a:p>
+            <a:r>
+              <a:rPr lang="en-US" sz="1600" b="0" dirty="0">
+                <a:solidFill>
+                  <a:srgbClr val="000000"/>
+                </a:solidFill>
+                <a:effectLst/>
+                <a:latin typeface="Consolas" panose="020B0609020204030204" pitchFamily="49" charset="0"/>
+              </a:rPr>
+              <a:t>    </a:t>
+            </a:r>
+            <a:r>
+              <a:rPr lang="en-US" sz="1600" b="0" dirty="0">
+                <a:solidFill>
+                  <a:srgbClr val="0000FF"/>
+                </a:solidFill>
+                <a:effectLst/>
+                <a:latin typeface="Consolas" panose="020B0609020204030204" pitchFamily="49" charset="0"/>
+              </a:rPr>
+              <a:t>const</a:t>
+            </a:r>
+            <a:r>
+              <a:rPr lang="en-US" sz="1600" b="0" dirty="0">
+                <a:solidFill>
+                  <a:srgbClr val="000000"/>
+                </a:solidFill>
+                <a:effectLst/>
+                <a:latin typeface="Consolas" panose="020B0609020204030204" pitchFamily="49" charset="0"/>
+              </a:rPr>
+              <a:t> text2 = </a:t>
+            </a:r>
+            <a:r>
+              <a:rPr lang="en-US" sz="1600" b="0" dirty="0" err="1">
+                <a:solidFill>
+                  <a:srgbClr val="000000"/>
+                </a:solidFill>
+                <a:effectLst/>
+                <a:latin typeface="Consolas" panose="020B0609020204030204" pitchFamily="49" charset="0"/>
+              </a:rPr>
+              <a:t>document.getElementById</a:t>
+            </a:r>
+            <a:r>
+              <a:rPr lang="en-US" sz="1600" b="0" dirty="0">
+                <a:solidFill>
+                  <a:srgbClr val="000000"/>
+                </a:solidFill>
+                <a:effectLst/>
+                <a:latin typeface="Consolas" panose="020B0609020204030204" pitchFamily="49" charset="0"/>
+              </a:rPr>
+              <a:t>(id2).</a:t>
+            </a:r>
+            <a:r>
+              <a:rPr lang="en-US" sz="1600" b="0" dirty="0" err="1">
+                <a:solidFill>
+                  <a:srgbClr val="000000"/>
+                </a:solidFill>
+                <a:effectLst/>
+                <a:latin typeface="Consolas" panose="020B0609020204030204" pitchFamily="49" charset="0"/>
+              </a:rPr>
+              <a:t>innerText</a:t>
+            </a:r>
+            <a:r>
+              <a:rPr lang="en-US" sz="1600" b="0" dirty="0">
+                <a:solidFill>
+                  <a:srgbClr val="000000"/>
+                </a:solidFill>
+                <a:effectLst/>
+                <a:latin typeface="Consolas" panose="020B0609020204030204" pitchFamily="49" charset="0"/>
+              </a:rPr>
+              <a:t>;</a:t>
+            </a:r>
+          </a:p>
+          <a:p>
+            <a:r>
+              <a:rPr lang="en-US" sz="1600" b="0" dirty="0">
+                <a:solidFill>
+                  <a:srgbClr val="000000"/>
+                </a:solidFill>
+                <a:effectLst/>
+                <a:latin typeface="Consolas" panose="020B0609020204030204" pitchFamily="49" charset="0"/>
+              </a:rPr>
+              <a:t>    </a:t>
+            </a:r>
+            <a:r>
+              <a:rPr lang="en-US" sz="1600" b="0" dirty="0">
+                <a:solidFill>
+                  <a:srgbClr val="0000FF"/>
+                </a:solidFill>
+                <a:effectLst/>
+                <a:latin typeface="Consolas" panose="020B0609020204030204" pitchFamily="49" charset="0"/>
+              </a:rPr>
+              <a:t>if</a:t>
+            </a:r>
+            <a:r>
+              <a:rPr lang="en-US" sz="1600" b="0" dirty="0">
+                <a:solidFill>
+                  <a:srgbClr val="000000"/>
+                </a:solidFill>
+                <a:effectLst/>
+                <a:latin typeface="Consolas" panose="020B0609020204030204" pitchFamily="49" charset="0"/>
+              </a:rPr>
+              <a:t> (text0 !== </a:t>
+            </a:r>
+            <a:r>
+              <a:rPr lang="en-US" sz="1600" b="0" dirty="0">
+                <a:solidFill>
+                  <a:srgbClr val="A31515"/>
+                </a:solidFill>
+                <a:effectLst/>
+                <a:latin typeface="Consolas" panose="020B0609020204030204" pitchFamily="49" charset="0"/>
+              </a:rPr>
+              <a:t>""</a:t>
+            </a:r>
+            <a:r>
+              <a:rPr lang="en-US" sz="1600" b="0" dirty="0">
+                <a:solidFill>
+                  <a:srgbClr val="000000"/>
+                </a:solidFill>
+                <a:effectLst/>
+                <a:latin typeface="Consolas" panose="020B0609020204030204" pitchFamily="49" charset="0"/>
+              </a:rPr>
+              <a:t> &amp;&amp; text0 === text1 &amp;&amp; text1 === text2) {</a:t>
+            </a:r>
+          </a:p>
+          <a:p>
+            <a:r>
+              <a:rPr lang="en-US" sz="1600" b="0" dirty="0">
+                <a:solidFill>
+                  <a:srgbClr val="000000"/>
+                </a:solidFill>
+                <a:effectLst/>
+                <a:latin typeface="Consolas" panose="020B0609020204030204" pitchFamily="49" charset="0"/>
+              </a:rPr>
+              <a:t>        </a:t>
+            </a:r>
+            <a:r>
+              <a:rPr lang="en-US" sz="1600" b="0" dirty="0">
+                <a:solidFill>
+                  <a:srgbClr val="0000FF"/>
+                </a:solidFill>
+                <a:effectLst/>
+                <a:latin typeface="Consolas" panose="020B0609020204030204" pitchFamily="49" charset="0"/>
+              </a:rPr>
+              <a:t>return</a:t>
+            </a:r>
+            <a:r>
+              <a:rPr lang="en-US" sz="1600" b="0" dirty="0">
+                <a:solidFill>
+                  <a:srgbClr val="000000"/>
+                </a:solidFill>
+                <a:effectLst/>
+                <a:latin typeface="Consolas" panose="020B0609020204030204" pitchFamily="49" charset="0"/>
+              </a:rPr>
+              <a:t> text0;</a:t>
+            </a:r>
+          </a:p>
+          <a:p>
+            <a:r>
+              <a:rPr lang="en-US" sz="1600" b="0" dirty="0">
+                <a:solidFill>
+                  <a:srgbClr val="000000"/>
+                </a:solidFill>
+                <a:effectLst/>
+                <a:latin typeface="Consolas" panose="020B0609020204030204" pitchFamily="49" charset="0"/>
+              </a:rPr>
+              <a:t>    }</a:t>
+            </a:r>
+          </a:p>
+          <a:p>
+            <a:r>
+              <a:rPr lang="en-US" sz="1600" b="0" dirty="0">
+                <a:solidFill>
+                  <a:srgbClr val="000000"/>
+                </a:solidFill>
+                <a:effectLst/>
+                <a:latin typeface="Consolas" panose="020B0609020204030204" pitchFamily="49" charset="0"/>
+              </a:rPr>
+              <a:t>    </a:t>
+            </a:r>
+            <a:r>
+              <a:rPr lang="en-US" sz="1600" b="0" dirty="0">
+                <a:solidFill>
+                  <a:srgbClr val="0000FF"/>
+                </a:solidFill>
+                <a:effectLst/>
+                <a:latin typeface="Consolas" panose="020B0609020204030204" pitchFamily="49" charset="0"/>
+              </a:rPr>
+              <a:t>return</a:t>
+            </a:r>
+            <a:r>
+              <a:rPr lang="en-US" sz="1600" b="0" dirty="0">
+                <a:solidFill>
+                  <a:srgbClr val="000000"/>
+                </a:solidFill>
+                <a:effectLst/>
+                <a:latin typeface="Consolas" panose="020B0609020204030204" pitchFamily="49" charset="0"/>
+              </a:rPr>
+              <a:t> </a:t>
+            </a:r>
+            <a:r>
+              <a:rPr lang="en-US" sz="1600" b="0" dirty="0">
+                <a:solidFill>
+                  <a:srgbClr val="A31515"/>
+                </a:solidFill>
+                <a:effectLst/>
+                <a:latin typeface="Consolas" panose="020B0609020204030204" pitchFamily="49" charset="0"/>
+              </a:rPr>
+              <a:t>""</a:t>
+            </a:r>
+            <a:r>
+              <a:rPr lang="en-US" sz="1600" b="0" dirty="0">
+                <a:solidFill>
+                  <a:srgbClr val="000000"/>
+                </a:solidFill>
+                <a:effectLst/>
+                <a:latin typeface="Consolas" panose="020B0609020204030204" pitchFamily="49" charset="0"/>
+              </a:rPr>
+              <a:t>;</a:t>
+            </a:r>
+          </a:p>
+          <a:p>
+            <a:r>
+              <a:rPr lang="en-US" sz="1600" b="0" dirty="0">
+                <a:solidFill>
+                  <a:srgbClr val="000000"/>
+                </a:solidFill>
+                <a:effectLst/>
+                <a:latin typeface="Consolas" panose="020B0609020204030204" pitchFamily="49" charset="0"/>
+              </a:rPr>
+              <a:t>}</a:t>
+            </a:r>
+          </a:p>
+        </p:txBody>
+      </p:sp>
+    </p:spTree>
+    <p:extLst>
+      <p:ext uri="{BB962C8B-B14F-4D97-AF65-F5344CB8AC3E}">
+        <p14:creationId xmlns:p14="http://schemas.microsoft.com/office/powerpoint/2010/main" val="2101851151"/>
       </p:ext>
     </p:extLst>
   </p:cSld>
